--- a/GDPR_case_study_3.pptx
+++ b/GDPR_case_study_3.pptx
@@ -6,13 +6,14 @@
   </p:sldMasterIdLst>
   <p:sldIdLst>
     <p:sldId id="256" r:id="rId2"/>
-    <p:sldId id="261" r:id="rId3"/>
-    <p:sldId id="257" r:id="rId4"/>
-    <p:sldId id="258" r:id="rId5"/>
-    <p:sldId id="259" r:id="rId6"/>
-    <p:sldId id="260" r:id="rId7"/>
-    <p:sldId id="263" r:id="rId8"/>
-    <p:sldId id="262" r:id="rId9"/>
+    <p:sldId id="264" r:id="rId3"/>
+    <p:sldId id="261" r:id="rId4"/>
+    <p:sldId id="257" r:id="rId5"/>
+    <p:sldId id="258" r:id="rId6"/>
+    <p:sldId id="259" r:id="rId7"/>
+    <p:sldId id="260" r:id="rId8"/>
+    <p:sldId id="263" r:id="rId9"/>
+    <p:sldId id="262" r:id="rId10"/>
   </p:sldIdLst>
   <p:sldSz cx="12192000" cy="6858000"/>
   <p:notesSz cx="6858000" cy="9144000"/>
@@ -112,14 +113,6 @@
     </a:lvl9pPr>
   </p:defaultTextStyle>
 </p:presentation>
-</file>
-
-<file path=ppt/revisionInfo.xml><?xml version="1.0" encoding="utf-8"?>
-<p1510:revInfo xmlns:a="http://schemas.openxmlformats.org/drawingml/2006/main" xmlns:r="http://schemas.openxmlformats.org/officeDocument/2006/relationships" xmlns:p1510="http://schemas.microsoft.com/office/powerpoint/2015/10/main">
-  <p1510:revLst>
-    <p1510:client id="{9B11C0AB-92C3-469A-A78A-1994B971EB16}" v="4" dt="2020-06-02T19:14:59.105"/>
-  </p1510:revLst>
-</p1510:revInfo>
 </file>
 
 <file path=ppt/slideLayouts/slideLayout1.xml><?xml version="1.0" encoding="utf-8"?>
@@ -3596,12 +3589,14 @@
         </p:nvSpPr>
         <p:spPr/>
         <p:txBody>
-          <a:bodyPr/>
-          <a:lstStyle/>
-          <a:p>
-            <a:r>
-              <a:rPr lang="en-GB" dirty="0"/>
-              <a:t>GDPR </a:t>
+          <a:bodyPr>
+            <a:normAutofit/>
+          </a:bodyPr>
+          <a:lstStyle/>
+          <a:p>
+            <a:r>
+              <a:rPr lang="en-GB" sz="4000" dirty="0"/>
+              <a:t>GDPR Assessment/relevance</a:t>
             </a:r>
           </a:p>
         </p:txBody>
@@ -3629,7 +3624,7 @@
           <a:p>
             <a:r>
               <a:rPr lang="en-GB" dirty="0"/>
-              <a:t>Samuel Brow,  Toms </a:t>
+              <a:t>Samuel Brown,  Toms </a:t>
             </a:r>
             <a:r>
               <a:rPr lang="en-GB" dirty="0" err="1"/>
@@ -3677,7 +3672,7 @@
           <p:cNvPr id="2" name="Title 1">
             <a:extLst>
               <a:ext uri="{FF2B5EF4-FFF2-40B4-BE49-F238E27FC236}">
-                <a16:creationId xmlns:a16="http://schemas.microsoft.com/office/drawing/2014/main" id="{70429120-4648-4C6D-A87F-A5CE4FCC4AB2}"/>
+                <a16:creationId xmlns:a16="http://schemas.microsoft.com/office/drawing/2014/main" id="{42CFDBE2-3797-4FB1-893F-28458160C550}"/>
               </a:ext>
             </a:extLst>
           </p:cNvPr>
@@ -3694,10 +3689,9 @@
           <a:lstStyle/>
           <a:p>
             <a:r>
-              <a:rPr lang="en-GB" dirty="0" err="1"/>
-              <a:t>gUIDELINES</a:t>
-            </a:r>
-            <a:endParaRPr lang="en-GB" dirty="0"/>
+              <a:rPr lang="en-GB" dirty="0"/>
+              <a:t>Group 6 – Case study</a:t>
+            </a:r>
           </a:p>
         </p:txBody>
       </p:sp>
@@ -3706,7 +3700,7 @@
           <p:cNvPr id="3" name="Content Placeholder 2">
             <a:extLst>
               <a:ext uri="{FF2B5EF4-FFF2-40B4-BE49-F238E27FC236}">
-                <a16:creationId xmlns:a16="http://schemas.microsoft.com/office/drawing/2014/main" id="{78493238-24ED-4572-A0FC-B3200F887BE4}"/>
+                <a16:creationId xmlns:a16="http://schemas.microsoft.com/office/drawing/2014/main" id="{934A8483-54A6-4619-8629-4C52DECE6656}"/>
               </a:ext>
             </a:extLst>
           </p:cNvPr>
@@ -3724,42 +3718,45 @@
           <a:p>
             <a:r>
               <a:rPr lang="en-GB" dirty="0"/>
-              <a:t>assuming our infrastructure is in use by a Dutch company we must make sure to follow specific AVG guidelines (not just GDPR)</a:t>
-            </a:r>
-          </a:p>
-          <a:p>
-            <a:r>
-              <a:rPr lang="en-GB" dirty="0"/>
-              <a:t>https:/autoriteitpersoonsgegevens.nl/ links to the website of the relevant authorities to follow</a:t>
-            </a:r>
-          </a:p>
-          <a:p>
-            <a:r>
-              <a:rPr lang="en-GB" dirty="0" err="1"/>
-              <a:t>Autoriteit</a:t>
-            </a:r>
-            <a:r>
-              <a:rPr lang="en-GB" dirty="0"/>
-              <a:t> </a:t>
-            </a:r>
-            <a:r>
-              <a:rPr lang="en-GB" dirty="0" err="1"/>
-              <a:t>Persoonsgegevens</a:t>
-            </a:r>
-            <a:r>
-              <a:rPr lang="en-GB" dirty="0"/>
-              <a:t> (AP)</a:t>
-            </a:r>
-          </a:p>
-          <a:p>
-            <a:endParaRPr lang="en-GB" dirty="0"/>
+              <a:t>Setting up hotel infrastructure</a:t>
+            </a:r>
+          </a:p>
+          <a:p>
+            <a:r>
+              <a:rPr lang="en-GB" dirty="0"/>
+              <a:t>Managing of the system</a:t>
+            </a:r>
+          </a:p>
+          <a:p>
+            <a:r>
+              <a:rPr lang="en-GB" dirty="0"/>
+              <a:t>Internet access</a:t>
+            </a:r>
+          </a:p>
+          <a:p>
+            <a:r>
+              <a:rPr lang="en-GB" dirty="0"/>
+              <a:t>Entertainment</a:t>
+            </a:r>
+          </a:p>
+          <a:p>
+            <a:r>
+              <a:rPr lang="en-GB" dirty="0"/>
+              <a:t>Messaging </a:t>
+            </a:r>
+          </a:p>
+          <a:p>
+            <a:r>
+              <a:rPr lang="en-GB" dirty="0"/>
+              <a:t>Recording of guest details</a:t>
+            </a:r>
           </a:p>
         </p:txBody>
       </p:sp>
     </p:spTree>
     <p:extLst>
       <p:ext uri="{BB962C8B-B14F-4D97-AF65-F5344CB8AC3E}">
-        <p14:creationId xmlns:p14="http://schemas.microsoft.com/office/powerpoint/2010/main" val="1120250255"/>
+        <p14:creationId xmlns:p14="http://schemas.microsoft.com/office/powerpoint/2010/main" val="538540439"/>
       </p:ext>
     </p:extLst>
   </p:cSld>
@@ -3791,7 +3788,7 @@
           <p:cNvPr id="2" name="Title 1">
             <a:extLst>
               <a:ext uri="{FF2B5EF4-FFF2-40B4-BE49-F238E27FC236}">
-                <a16:creationId xmlns:a16="http://schemas.microsoft.com/office/drawing/2014/main" id="{9AFD29BC-739D-497A-A88A-EDBCA996E095}"/>
+                <a16:creationId xmlns:a16="http://schemas.microsoft.com/office/drawing/2014/main" id="{70429120-4648-4C6D-A87F-A5CE4FCC4AB2}"/>
               </a:ext>
             </a:extLst>
           </p:cNvPr>
@@ -3808,9 +3805,10 @@
           <a:lstStyle/>
           <a:p>
             <a:r>
-              <a:rPr lang="en-GB" dirty="0"/>
-              <a:t>Personal Data</a:t>
-            </a:r>
+              <a:rPr lang="en-GB" dirty="0" err="1"/>
+              <a:t>gUIDELINES</a:t>
+            </a:r>
+            <a:endParaRPr lang="en-GB" dirty="0"/>
           </a:p>
         </p:txBody>
       </p:sp>
@@ -3819,7 +3817,7 @@
           <p:cNvPr id="3" name="Content Placeholder 2">
             <a:extLst>
               <a:ext uri="{FF2B5EF4-FFF2-40B4-BE49-F238E27FC236}">
-                <a16:creationId xmlns:a16="http://schemas.microsoft.com/office/drawing/2014/main" id="{0E777027-C447-4BBF-85CA-B620846638B8}"/>
+                <a16:creationId xmlns:a16="http://schemas.microsoft.com/office/drawing/2014/main" id="{78493238-24ED-4572-A0FC-B3200F887BE4}"/>
               </a:ext>
             </a:extLst>
           </p:cNvPr>
@@ -3837,7 +3835,31 @@
           <a:p>
             <a:r>
               <a:rPr lang="en-GB" dirty="0"/>
-              <a:t>Personal data we collect will be:…</a:t>
+              <a:t>assuming our infrastructure is in use by a Dutch company we must make sure to follow specific AVG guidelines (not just GDPR)</a:t>
+            </a:r>
+          </a:p>
+          <a:p>
+            <a:r>
+              <a:rPr lang="en-GB" dirty="0"/>
+              <a:t>https:/autoriteitpersoonsgegevens.nl/ links to the website of the relevant authorities to follow</a:t>
+            </a:r>
+          </a:p>
+          <a:p>
+            <a:r>
+              <a:rPr lang="en-GB" dirty="0" err="1"/>
+              <a:t>Autoriteit</a:t>
+            </a:r>
+            <a:r>
+              <a:rPr lang="en-GB" dirty="0"/>
+              <a:t> </a:t>
+            </a:r>
+            <a:r>
+              <a:rPr lang="en-GB" dirty="0" err="1"/>
+              <a:t>Persoonsgegevens</a:t>
+            </a:r>
+            <a:r>
+              <a:rPr lang="en-GB" dirty="0"/>
+              <a:t> (AP)</a:t>
             </a:r>
           </a:p>
           <a:p>
@@ -3848,7 +3870,7 @@
     </p:spTree>
     <p:extLst>
       <p:ext uri="{BB962C8B-B14F-4D97-AF65-F5344CB8AC3E}">
-        <p14:creationId xmlns:p14="http://schemas.microsoft.com/office/powerpoint/2010/main" val="1727523334"/>
+        <p14:creationId xmlns:p14="http://schemas.microsoft.com/office/powerpoint/2010/main" val="1120250255"/>
       </p:ext>
     </p:extLst>
   </p:cSld>
@@ -3880,7 +3902,7 @@
           <p:cNvPr id="2" name="Title 1">
             <a:extLst>
               <a:ext uri="{FF2B5EF4-FFF2-40B4-BE49-F238E27FC236}">
-                <a16:creationId xmlns:a16="http://schemas.microsoft.com/office/drawing/2014/main" id="{A193AB2D-FA1B-42C3-95CF-EAD4F8900059}"/>
+                <a16:creationId xmlns:a16="http://schemas.microsoft.com/office/drawing/2014/main" id="{9AFD29BC-739D-497A-A88A-EDBCA996E095}"/>
               </a:ext>
             </a:extLst>
           </p:cNvPr>
@@ -3898,7 +3920,7 @@
           <a:p>
             <a:r>
               <a:rPr lang="en-GB" dirty="0"/>
-              <a:t>Data protection officer</a:t>
+              <a:t>Personal Data</a:t>
             </a:r>
           </a:p>
         </p:txBody>
@@ -3908,7 +3930,7 @@
           <p:cNvPr id="3" name="Content Placeholder 2">
             <a:extLst>
               <a:ext uri="{FF2B5EF4-FFF2-40B4-BE49-F238E27FC236}">
-                <a16:creationId xmlns:a16="http://schemas.microsoft.com/office/drawing/2014/main" id="{286A48EA-B0AC-4791-BA3F-34EBAFDE02FF}"/>
+                <a16:creationId xmlns:a16="http://schemas.microsoft.com/office/drawing/2014/main" id="{0E777027-C447-4BBF-85CA-B620846638B8}"/>
               </a:ext>
             </a:extLst>
           </p:cNvPr>
@@ -3926,7 +3948,42 @@
           <a:p>
             <a:r>
               <a:rPr lang="en-GB" dirty="0"/>
-              <a:t>It would be wise to appoint one within the company to assume responsibility for the protection of personal data that is to be processed</a:t>
+              <a:t>Personal data we collect will be:</a:t>
+            </a:r>
+          </a:p>
+          <a:p>
+            <a:pPr lvl="1"/>
+            <a:r>
+              <a:rPr lang="en-GB" dirty="0"/>
+              <a:t>Name</a:t>
+            </a:r>
+          </a:p>
+          <a:p>
+            <a:pPr lvl="1"/>
+            <a:r>
+              <a:rPr lang="en-GB" dirty="0"/>
+              <a:t>Date of Birth</a:t>
+            </a:r>
+          </a:p>
+          <a:p>
+            <a:pPr lvl="1"/>
+            <a:r>
+              <a:rPr lang="en-GB" dirty="0"/>
+              <a:t>Payment method</a:t>
+            </a:r>
+          </a:p>
+          <a:p>
+            <a:pPr lvl="1"/>
+            <a:r>
+              <a:rPr lang="en-GB" dirty="0"/>
+              <a:t>Copy of ID</a:t>
+            </a:r>
+          </a:p>
+          <a:p>
+            <a:pPr lvl="1"/>
+            <a:r>
+              <a:rPr lang="en-GB" dirty="0"/>
+              <a:t>Duration of stay</a:t>
             </a:r>
           </a:p>
           <a:p>
@@ -3937,7 +3994,7 @@
     </p:spTree>
     <p:extLst>
       <p:ext uri="{BB962C8B-B14F-4D97-AF65-F5344CB8AC3E}">
-        <p14:creationId xmlns:p14="http://schemas.microsoft.com/office/powerpoint/2010/main" val="2744763433"/>
+        <p14:creationId xmlns:p14="http://schemas.microsoft.com/office/powerpoint/2010/main" val="1727523334"/>
       </p:ext>
     </p:extLst>
   </p:cSld>
@@ -3969,7 +4026,7 @@
           <p:cNvPr id="2" name="Title 1">
             <a:extLst>
               <a:ext uri="{FF2B5EF4-FFF2-40B4-BE49-F238E27FC236}">
-                <a16:creationId xmlns:a16="http://schemas.microsoft.com/office/drawing/2014/main" id="{83339C53-F00A-44B5-876B-0D76F23AF91C}"/>
+                <a16:creationId xmlns:a16="http://schemas.microsoft.com/office/drawing/2014/main" id="{A193AB2D-FA1B-42C3-95CF-EAD4F8900059}"/>
               </a:ext>
             </a:extLst>
           </p:cNvPr>
@@ -3987,7 +4044,7 @@
           <a:p>
             <a:r>
               <a:rPr lang="en-GB" dirty="0"/>
-              <a:t>Rights to data	</a:t>
+              <a:t>Data protection officer</a:t>
             </a:r>
           </a:p>
         </p:txBody>
@@ -3997,7 +4054,7 @@
           <p:cNvPr id="3" name="Content Placeholder 2">
             <a:extLst>
               <a:ext uri="{FF2B5EF4-FFF2-40B4-BE49-F238E27FC236}">
-                <a16:creationId xmlns:a16="http://schemas.microsoft.com/office/drawing/2014/main" id="{3EA1F1C1-4286-4DB3-9A67-5F92DA1B4904}"/>
+                <a16:creationId xmlns:a16="http://schemas.microsoft.com/office/drawing/2014/main" id="{286A48EA-B0AC-4791-BA3F-34EBAFDE02FF}"/>
               </a:ext>
             </a:extLst>
           </p:cNvPr>
@@ -4015,43 +4072,14 @@
           <a:p>
             <a:r>
               <a:rPr lang="en-GB" dirty="0"/>
-              <a:t>Guests and employees alike need to be informed of what data they are providing and what will be processed and why</a:t>
-            </a:r>
-          </a:p>
-          <a:p>
-            <a:r>
-              <a:rPr lang="en-GB" dirty="0"/>
-              <a:t>The ability to amend incorrect data that is collected</a:t>
-            </a:r>
-          </a:p>
-          <a:p>
-            <a:r>
-              <a:rPr lang="en-GB" dirty="0"/>
-              <a:t>The ability to delete all data concerning a person when we no longer need the data (or other ground on which to be removed)</a:t>
-            </a:r>
-          </a:p>
-          <a:p>
-            <a:r>
-              <a:rPr lang="en-GB" dirty="0"/>
-              <a:t>Restricted use (</a:t>
-            </a:r>
-            <a:r>
-              <a:rPr lang="en-GB" dirty="0" err="1"/>
-              <a:t>ie</a:t>
-            </a:r>
-            <a:r>
-              <a:rPr lang="en-GB" dirty="0"/>
-              <a:t> not providing data to unnecessary parties)</a:t>
-            </a:r>
-          </a:p>
-          <a:p>
-            <a:r>
-              <a:rPr lang="en-GB" dirty="0"/>
-              <a:t>The ability to send the data we have on someone to them in a readable way</a:t>
-            </a:r>
-          </a:p>
-          <a:p>
-            <a:endParaRPr lang="en-GB" dirty="0"/>
+              <a:t>It would be wise to appoint one within the company to assume responsibility for the protection of personal data that is to be processed</a:t>
+            </a:r>
+          </a:p>
+          <a:p>
+            <a:r>
+              <a:rPr lang="en-GB" dirty="0"/>
+              <a:t>Most likely the same person as the system Admin</a:t>
+            </a:r>
           </a:p>
           <a:p>
             <a:endParaRPr lang="en-GB" dirty="0"/>
@@ -4061,7 +4089,7 @@
     </p:spTree>
     <p:extLst>
       <p:ext uri="{BB962C8B-B14F-4D97-AF65-F5344CB8AC3E}">
-        <p14:creationId xmlns:p14="http://schemas.microsoft.com/office/powerpoint/2010/main" val="3053175792"/>
+        <p14:creationId xmlns:p14="http://schemas.microsoft.com/office/powerpoint/2010/main" val="2744763433"/>
       </p:ext>
     </p:extLst>
   </p:cSld>
@@ -4093,7 +4121,7 @@
           <p:cNvPr id="2" name="Title 1">
             <a:extLst>
               <a:ext uri="{FF2B5EF4-FFF2-40B4-BE49-F238E27FC236}">
-                <a16:creationId xmlns:a16="http://schemas.microsoft.com/office/drawing/2014/main" id="{E7D476B9-C354-495D-8DA2-12E0DD812ED6}"/>
+                <a16:creationId xmlns:a16="http://schemas.microsoft.com/office/drawing/2014/main" id="{83339C53-F00A-44B5-876B-0D76F23AF91C}"/>
               </a:ext>
             </a:extLst>
           </p:cNvPr>
@@ -4111,7 +4139,7 @@
           <a:p>
             <a:r>
               <a:rPr lang="en-GB" dirty="0"/>
-              <a:t>Categories of personal data</a:t>
+              <a:t>Rights to data	</a:t>
             </a:r>
           </a:p>
         </p:txBody>
@@ -4121,7 +4149,7 @@
           <p:cNvPr id="3" name="Content Placeholder 2">
             <a:extLst>
               <a:ext uri="{FF2B5EF4-FFF2-40B4-BE49-F238E27FC236}">
-                <a16:creationId xmlns:a16="http://schemas.microsoft.com/office/drawing/2014/main" id="{9F5C36C0-78CA-4B81-9CB5-067A225D259D}"/>
+                <a16:creationId xmlns:a16="http://schemas.microsoft.com/office/drawing/2014/main" id="{3EA1F1C1-4286-4DB3-9A67-5F92DA1B4904}"/>
               </a:ext>
             </a:extLst>
           </p:cNvPr>
@@ -4134,82 +4162,50 @@
         </p:nvSpPr>
         <p:spPr/>
         <p:txBody>
-          <a:bodyPr>
-            <a:normAutofit lnSpcReduction="10000"/>
-          </a:bodyPr>
-          <a:lstStyle/>
-          <a:p>
-            <a:r>
-              <a:rPr lang="en-GB" dirty="0"/>
-              <a:t>These special types of data </a:t>
-            </a:r>
-            <a:r>
-              <a:rPr lang="en-GB" b="1" dirty="0"/>
-              <a:t>WON’T</a:t>
-            </a:r>
-            <a:r>
-              <a:rPr lang="en-GB" dirty="0"/>
-              <a:t> be recorded or processed:</a:t>
-            </a:r>
-          </a:p>
-          <a:p>
-            <a:pPr lvl="1"/>
-            <a:r>
-              <a:rPr lang="en-GB" dirty="0"/>
-              <a:t>Personal data where race or ethnicity is shown.</a:t>
-            </a:r>
-          </a:p>
-          <a:p>
-            <a:pPr lvl="1"/>
-            <a:r>
-              <a:rPr lang="en-GB" dirty="0"/>
-              <a:t>Personal data where political standings appear.</a:t>
-            </a:r>
-          </a:p>
-          <a:p>
-            <a:pPr lvl="1"/>
-            <a:r>
-              <a:rPr lang="en-GB" dirty="0"/>
-              <a:t>Personal data where religious beliefs appear.</a:t>
-            </a:r>
-          </a:p>
-          <a:p>
-            <a:pPr lvl="1"/>
-            <a:r>
-              <a:rPr lang="en-GB" dirty="0"/>
-              <a:t>Personal data where a membership with a trade union appears.</a:t>
-            </a:r>
-          </a:p>
-          <a:p>
-            <a:pPr lvl="1"/>
-            <a:r>
-              <a:rPr lang="en-GB" dirty="0"/>
-              <a:t>Personal data which contains medical files.</a:t>
-            </a:r>
-          </a:p>
-          <a:p>
-            <a:pPr lvl="1"/>
-            <a:r>
-              <a:rPr lang="en-GB" dirty="0"/>
-              <a:t>Personal data that shows someone’s sexual behaviour/preferences.</a:t>
-            </a:r>
-          </a:p>
-          <a:p>
-            <a:pPr lvl="1"/>
-            <a:r>
-              <a:rPr lang="en-GB" dirty="0"/>
-              <a:t>Personal data that contains genetic researches.</a:t>
-            </a:r>
-          </a:p>
-          <a:p>
-            <a:pPr lvl="1"/>
-            <a:r>
-              <a:rPr lang="en-GB" dirty="0"/>
-              <a:t>Personal data that is about biometrical data. (E.g. Fingerprint, iris-scans etc.)</a:t>
-            </a:r>
-          </a:p>
-          <a:p>
-            <a:pPr lvl="1"/>
+          <a:bodyPr/>
+          <a:lstStyle/>
+          <a:p>
+            <a:r>
+              <a:rPr lang="en-GB" dirty="0"/>
+              <a:t>Guests and employees alike need to be informed of what data they are providing and what will be processed and why</a:t>
+            </a:r>
+          </a:p>
+          <a:p>
+            <a:r>
+              <a:rPr lang="en-GB" dirty="0"/>
+              <a:t>The ability to amend incorrect data that is collected</a:t>
+            </a:r>
+          </a:p>
+          <a:p>
+            <a:r>
+              <a:rPr lang="en-GB" dirty="0"/>
+              <a:t>The ability to delete all data concerning a person when we no longer need the data (or other ground on which to be removed)</a:t>
+            </a:r>
+          </a:p>
+          <a:p>
+            <a:r>
+              <a:rPr lang="en-GB" dirty="0"/>
+              <a:t>Restricted use (</a:t>
+            </a:r>
+            <a:r>
+              <a:rPr lang="en-GB" dirty="0" err="1"/>
+              <a:t>ie</a:t>
+            </a:r>
+            <a:r>
+              <a:rPr lang="en-GB" dirty="0"/>
+              <a:t> not providing data to unnecessary parties)</a:t>
+            </a:r>
+          </a:p>
+          <a:p>
+            <a:r>
+              <a:rPr lang="en-GB" dirty="0"/>
+              <a:t>The ability to send the data we have on someone to them in a readable way</a:t>
+            </a:r>
+          </a:p>
+          <a:p>
+            <a:endParaRPr lang="en-GB" dirty="0"/>
+          </a:p>
+          <a:p>
             <a:endParaRPr lang="en-GB" dirty="0"/>
           </a:p>
         </p:txBody>
@@ -4217,7 +4213,7 @@
     </p:spTree>
     <p:extLst>
       <p:ext uri="{BB962C8B-B14F-4D97-AF65-F5344CB8AC3E}">
-        <p14:creationId xmlns:p14="http://schemas.microsoft.com/office/powerpoint/2010/main" val="3051401116"/>
+        <p14:creationId xmlns:p14="http://schemas.microsoft.com/office/powerpoint/2010/main" val="3053175792"/>
       </p:ext>
     </p:extLst>
   </p:cSld>
@@ -4249,6 +4245,162 @@
           <p:cNvPr id="2" name="Title 1">
             <a:extLst>
               <a:ext uri="{FF2B5EF4-FFF2-40B4-BE49-F238E27FC236}">
+                <a16:creationId xmlns:a16="http://schemas.microsoft.com/office/drawing/2014/main" id="{E7D476B9-C354-495D-8DA2-12E0DD812ED6}"/>
+              </a:ext>
+            </a:extLst>
+          </p:cNvPr>
+          <p:cNvSpPr>
+            <a:spLocks noGrp="1"/>
+          </p:cNvSpPr>
+          <p:nvPr>
+            <p:ph type="title"/>
+          </p:nvPr>
+        </p:nvSpPr>
+        <p:spPr/>
+        <p:txBody>
+          <a:bodyPr/>
+          <a:lstStyle/>
+          <a:p>
+            <a:r>
+              <a:rPr lang="en-GB" dirty="0"/>
+              <a:t>Categories of personal data</a:t>
+            </a:r>
+          </a:p>
+        </p:txBody>
+      </p:sp>
+      <p:sp>
+        <p:nvSpPr>
+          <p:cNvPr id="3" name="Content Placeholder 2">
+            <a:extLst>
+              <a:ext uri="{FF2B5EF4-FFF2-40B4-BE49-F238E27FC236}">
+                <a16:creationId xmlns:a16="http://schemas.microsoft.com/office/drawing/2014/main" id="{9F5C36C0-78CA-4B81-9CB5-067A225D259D}"/>
+              </a:ext>
+            </a:extLst>
+          </p:cNvPr>
+          <p:cNvSpPr>
+            <a:spLocks noGrp="1"/>
+          </p:cNvSpPr>
+          <p:nvPr>
+            <p:ph idx="1"/>
+          </p:nvPr>
+        </p:nvSpPr>
+        <p:spPr/>
+        <p:txBody>
+          <a:bodyPr>
+            <a:normAutofit lnSpcReduction="10000"/>
+          </a:bodyPr>
+          <a:lstStyle/>
+          <a:p>
+            <a:r>
+              <a:rPr lang="en-GB" dirty="0"/>
+              <a:t>These special types of data </a:t>
+            </a:r>
+            <a:r>
+              <a:rPr lang="en-GB" b="1" dirty="0"/>
+              <a:t>WON’T</a:t>
+            </a:r>
+            <a:r>
+              <a:rPr lang="en-GB" dirty="0"/>
+              <a:t> be recorded or processed:</a:t>
+            </a:r>
+          </a:p>
+          <a:p>
+            <a:pPr lvl="1"/>
+            <a:r>
+              <a:rPr lang="en-GB" dirty="0"/>
+              <a:t>Personal data where race or ethnicity is shown.</a:t>
+            </a:r>
+          </a:p>
+          <a:p>
+            <a:pPr lvl="1"/>
+            <a:r>
+              <a:rPr lang="en-GB" dirty="0"/>
+              <a:t>Personal data where political standings appear.</a:t>
+            </a:r>
+          </a:p>
+          <a:p>
+            <a:pPr lvl="1"/>
+            <a:r>
+              <a:rPr lang="en-GB" dirty="0"/>
+              <a:t>Personal data where religious beliefs appear.</a:t>
+            </a:r>
+          </a:p>
+          <a:p>
+            <a:pPr lvl="1"/>
+            <a:r>
+              <a:rPr lang="en-GB" dirty="0"/>
+              <a:t>Personal data where a membership with a trade union appears.</a:t>
+            </a:r>
+          </a:p>
+          <a:p>
+            <a:pPr lvl="1"/>
+            <a:r>
+              <a:rPr lang="en-GB" dirty="0"/>
+              <a:t>Personal data which contains medical files.</a:t>
+            </a:r>
+          </a:p>
+          <a:p>
+            <a:pPr lvl="1"/>
+            <a:r>
+              <a:rPr lang="en-GB" dirty="0"/>
+              <a:t>Personal data that shows someone’s sexual behaviour/preferences.</a:t>
+            </a:r>
+          </a:p>
+          <a:p>
+            <a:pPr lvl="1"/>
+            <a:r>
+              <a:rPr lang="en-GB" dirty="0"/>
+              <a:t>Personal data that contains genetic researches.</a:t>
+            </a:r>
+          </a:p>
+          <a:p>
+            <a:pPr lvl="1"/>
+            <a:r>
+              <a:rPr lang="en-GB" dirty="0"/>
+              <a:t>Personal data that is about biometrical data. (E.g. Fingerprint, iris-scans etc.)</a:t>
+            </a:r>
+          </a:p>
+          <a:p>
+            <a:pPr lvl="1"/>
+            <a:endParaRPr lang="en-GB" dirty="0"/>
+          </a:p>
+        </p:txBody>
+      </p:sp>
+    </p:spTree>
+    <p:extLst>
+      <p:ext uri="{BB962C8B-B14F-4D97-AF65-F5344CB8AC3E}">
+        <p14:creationId xmlns:p14="http://schemas.microsoft.com/office/powerpoint/2010/main" val="3051401116"/>
+      </p:ext>
+    </p:extLst>
+  </p:cSld>
+  <p:clrMapOvr>
+    <a:masterClrMapping/>
+  </p:clrMapOvr>
+</p:sld>
+</file>
+
+<file path=ppt/slides/slide8.xml><?xml version="1.0" encoding="utf-8"?>
+<p:sld xmlns:a="http://schemas.openxmlformats.org/drawingml/2006/main" xmlns:r="http://schemas.openxmlformats.org/officeDocument/2006/relationships" xmlns:p="http://schemas.openxmlformats.org/presentationml/2006/main">
+  <p:cSld>
+    <p:spTree>
+      <p:nvGrpSpPr>
+        <p:cNvPr id="1" name=""/>
+        <p:cNvGrpSpPr/>
+        <p:nvPr/>
+      </p:nvGrpSpPr>
+      <p:grpSpPr>
+        <a:xfrm>
+          <a:off x="0" y="0"/>
+          <a:ext cx="0" cy="0"/>
+          <a:chOff x="0" y="0"/>
+          <a:chExt cx="0" cy="0"/>
+        </a:xfrm>
+      </p:grpSpPr>
+      <p:sp>
+        <p:nvSpPr>
+          <p:cNvPr id="2" name="Title 1">
+            <a:extLst>
+              <a:ext uri="{FF2B5EF4-FFF2-40B4-BE49-F238E27FC236}">
                 <a16:creationId xmlns:a16="http://schemas.microsoft.com/office/drawing/2014/main" id="{1361D0D4-62B6-47BF-AD12-F3230B9D3C14}"/>
               </a:ext>
             </a:extLst>
@@ -4265,7 +4417,10 @@
           <a:bodyPr/>
           <a:lstStyle/>
           <a:p>
-            <a:endParaRPr lang="en-GB"/>
+            <a:r>
+              <a:rPr lang="en-GB" dirty="0"/>
+              <a:t>Security measures</a:t>
+            </a:r>
           </a:p>
         </p:txBody>
       </p:sp>
@@ -4290,7 +4445,40 @@
           <a:bodyPr/>
           <a:lstStyle/>
           <a:p>
-            <a:endParaRPr lang="en-GB"/>
+            <a:r>
+              <a:rPr lang="en-GB" dirty="0"/>
+              <a:t>Local encryption </a:t>
+            </a:r>
+          </a:p>
+          <a:p>
+            <a:r>
+              <a:rPr lang="en-GB" dirty="0"/>
+              <a:t>Firewall</a:t>
+            </a:r>
+          </a:p>
+          <a:p>
+            <a:r>
+              <a:rPr lang="en-GB" dirty="0"/>
+              <a:t>Router secured</a:t>
+            </a:r>
+          </a:p>
+          <a:p>
+            <a:r>
+              <a:rPr lang="en-GB" dirty="0"/>
+              <a:t>Constant testing/assessing/evaluation </a:t>
+            </a:r>
+          </a:p>
+          <a:p>
+            <a:r>
+              <a:rPr lang="en-GB" dirty="0"/>
+              <a:t>Limited access to non-admin users within the system</a:t>
+            </a:r>
+          </a:p>
+          <a:p>
+            <a:endParaRPr lang="en-GB" dirty="0"/>
+          </a:p>
+          <a:p>
+            <a:endParaRPr lang="en-GB" dirty="0"/>
           </a:p>
         </p:txBody>
       </p:sp>
@@ -4307,7 +4495,7 @@
 </p:sld>
 </file>
 
-<file path=ppt/slides/slide8.xml><?xml version="1.0" encoding="utf-8"?>
+<file path=ppt/slides/slide9.xml><?xml version="1.0" encoding="utf-8"?>
 <p:sld xmlns:a="http://schemas.openxmlformats.org/drawingml/2006/main" xmlns:r="http://schemas.openxmlformats.org/officeDocument/2006/relationships" xmlns:p="http://schemas.openxmlformats.org/presentationml/2006/main">
   <p:cSld>
     <p:spTree>
